--- a/plots/microbiome paper figures.pptx
+++ b/plots/microbiome paper figures.pptx
@@ -5,7 +5,7 @@
     <p:sldMasterId id="2147483648" r:id="rId1"/>
   </p:sldMasterIdLst>
   <p:notesMasterIdLst>
-    <p:notesMasterId r:id="rId12"/>
+    <p:notesMasterId r:id="rId15"/>
   </p:notesMasterIdLst>
   <p:sldIdLst>
     <p:sldId id="256" r:id="rId2"/>
@@ -18,6 +18,9 @@
     <p:sldId id="261" r:id="rId9"/>
     <p:sldId id="265" r:id="rId10"/>
     <p:sldId id="266" r:id="rId11"/>
+    <p:sldId id="267" r:id="rId12"/>
+    <p:sldId id="268" r:id="rId13"/>
+    <p:sldId id="269" r:id="rId14"/>
   </p:sldIdLst>
   <p:sldSz cx="9144000" cy="6858000" type="screen4x3"/>
   <p:notesSz cx="6858000" cy="9144000"/>
@@ -201,7 +204,7 @@
           <a:p>
             <a:fld id="{01F7545B-EEDA-D14A-AC7C-E4C26296CE48}" type="datetimeFigureOut">
               <a:rPr lang="en-US" smtClean="0"/>
-              <a:t>6/30/17</a:t>
+              <a:t>7/2/17</a:t>
             </a:fld>
             <a:endParaRPr lang="en-US"/>
           </a:p>
@@ -853,7 +856,7 @@
           <a:p>
             <a:fld id="{446C48F4-478A-AD4E-B893-C78327622D8B}" type="datetimeFigureOut">
               <a:rPr lang="en-US" smtClean="0"/>
-              <a:t>6/30/17</a:t>
+              <a:t>7/2/17</a:t>
             </a:fld>
             <a:endParaRPr lang="en-US"/>
           </a:p>
@@ -1023,7 +1026,7 @@
           <a:p>
             <a:fld id="{446C48F4-478A-AD4E-B893-C78327622D8B}" type="datetimeFigureOut">
               <a:rPr lang="en-US" smtClean="0"/>
-              <a:t>6/30/17</a:t>
+              <a:t>7/2/17</a:t>
             </a:fld>
             <a:endParaRPr lang="en-US"/>
           </a:p>
@@ -1203,7 +1206,7 @@
           <a:p>
             <a:fld id="{446C48F4-478A-AD4E-B893-C78327622D8B}" type="datetimeFigureOut">
               <a:rPr lang="en-US" smtClean="0"/>
-              <a:t>6/30/17</a:t>
+              <a:t>7/2/17</a:t>
             </a:fld>
             <a:endParaRPr lang="en-US"/>
           </a:p>
@@ -1373,7 +1376,7 @@
           <a:p>
             <a:fld id="{446C48F4-478A-AD4E-B893-C78327622D8B}" type="datetimeFigureOut">
               <a:rPr lang="en-US" smtClean="0"/>
-              <a:t>6/30/17</a:t>
+              <a:t>7/2/17</a:t>
             </a:fld>
             <a:endParaRPr lang="en-US"/>
           </a:p>
@@ -1619,7 +1622,7 @@
           <a:p>
             <a:fld id="{446C48F4-478A-AD4E-B893-C78327622D8B}" type="datetimeFigureOut">
               <a:rPr lang="en-US" smtClean="0"/>
-              <a:t>6/30/17</a:t>
+              <a:t>7/2/17</a:t>
             </a:fld>
             <a:endParaRPr lang="en-US"/>
           </a:p>
@@ -1907,7 +1910,7 @@
           <a:p>
             <a:fld id="{446C48F4-478A-AD4E-B893-C78327622D8B}" type="datetimeFigureOut">
               <a:rPr lang="en-US" smtClean="0"/>
-              <a:t>6/30/17</a:t>
+              <a:t>7/2/17</a:t>
             </a:fld>
             <a:endParaRPr lang="en-US"/>
           </a:p>
@@ -2329,7 +2332,7 @@
           <a:p>
             <a:fld id="{446C48F4-478A-AD4E-B893-C78327622D8B}" type="datetimeFigureOut">
               <a:rPr lang="en-US" smtClean="0"/>
-              <a:t>6/30/17</a:t>
+              <a:t>7/2/17</a:t>
             </a:fld>
             <a:endParaRPr lang="en-US"/>
           </a:p>
@@ -2447,7 +2450,7 @@
           <a:p>
             <a:fld id="{446C48F4-478A-AD4E-B893-C78327622D8B}" type="datetimeFigureOut">
               <a:rPr lang="en-US" smtClean="0"/>
-              <a:t>6/30/17</a:t>
+              <a:t>7/2/17</a:t>
             </a:fld>
             <a:endParaRPr lang="en-US"/>
           </a:p>
@@ -2542,7 +2545,7 @@
           <a:p>
             <a:fld id="{446C48F4-478A-AD4E-B893-C78327622D8B}" type="datetimeFigureOut">
               <a:rPr lang="en-US" smtClean="0"/>
-              <a:t>6/30/17</a:t>
+              <a:t>7/2/17</a:t>
             </a:fld>
             <a:endParaRPr lang="en-US"/>
           </a:p>
@@ -2819,7 +2822,7 @@
           <a:p>
             <a:fld id="{446C48F4-478A-AD4E-B893-C78327622D8B}" type="datetimeFigureOut">
               <a:rPr lang="en-US" smtClean="0"/>
-              <a:t>6/30/17</a:t>
+              <a:t>7/2/17</a:t>
             </a:fld>
             <a:endParaRPr lang="en-US"/>
           </a:p>
@@ -3072,7 +3075,7 @@
           <a:p>
             <a:fld id="{446C48F4-478A-AD4E-B893-C78327622D8B}" type="datetimeFigureOut">
               <a:rPr lang="en-US" smtClean="0"/>
-              <a:t>6/30/17</a:t>
+              <a:t>7/2/17</a:t>
             </a:fld>
             <a:endParaRPr lang="en-US"/>
           </a:p>
@@ -3285,7 +3288,7 @@
           <a:p>
             <a:fld id="{446C48F4-478A-AD4E-B893-C78327622D8B}" type="datetimeFigureOut">
               <a:rPr lang="en-US" smtClean="0"/>
-              <a:t>6/30/17</a:t>
+              <a:t>7/2/17</a:t>
             </a:fld>
             <a:endParaRPr lang="en-US"/>
           </a:p>
@@ -4715,6 +4718,1283 @@
     <p:extLst>
       <p:ext uri="{BB962C8B-B14F-4D97-AF65-F5344CB8AC3E}">
         <p14:creationId xmlns:p14="http://schemas.microsoft.com/office/powerpoint/2010/main" val="1634612565"/>
+      </p:ext>
+    </p:extLst>
+  </p:cSld>
+  <p:clrMapOvr>
+    <a:masterClrMapping/>
+  </p:clrMapOvr>
+</p:sld>
+</file>
+
+<file path=ppt/slides/slide11.xml><?xml version="1.0" encoding="utf-8"?>
+<p:sld xmlns:a="http://schemas.openxmlformats.org/drawingml/2006/main" xmlns:r="http://schemas.openxmlformats.org/officeDocument/2006/relationships" xmlns:p="http://schemas.openxmlformats.org/presentationml/2006/main">
+  <p:cSld>
+    <p:spTree>
+      <p:nvGrpSpPr>
+        <p:cNvPr id="1" name=""/>
+        <p:cNvGrpSpPr/>
+        <p:nvPr/>
+      </p:nvGrpSpPr>
+      <p:grpSpPr>
+        <a:xfrm>
+          <a:off x="0" y="0"/>
+          <a:ext cx="0" cy="0"/>
+          <a:chOff x="0" y="0"/>
+          <a:chExt cx="0" cy="0"/>
+        </a:xfrm>
+      </p:grpSpPr>
+      <p:grpSp>
+        <p:nvGrpSpPr>
+          <p:cNvPr id="6" name="Group 5"/>
+          <p:cNvGrpSpPr/>
+          <p:nvPr/>
+        </p:nvGrpSpPr>
+        <p:grpSpPr>
+          <a:xfrm>
+            <a:off x="0" y="228600"/>
+            <a:ext cx="3048000" cy="6629400"/>
+            <a:chOff x="0" y="228600"/>
+            <a:chExt cx="3589864" cy="7373038"/>
+          </a:xfrm>
+        </p:grpSpPr>
+        <p:pic>
+          <p:nvPicPr>
+            <p:cNvPr id="3" name="Picture 2"/>
+            <p:cNvPicPr>
+              <a:picLocks noChangeAspect="1"/>
+            </p:cNvPicPr>
+            <p:nvPr/>
+          </p:nvPicPr>
+          <p:blipFill>
+            <a:blip r:embed="rId2"/>
+            <a:stretch>
+              <a:fillRect/>
+            </a:stretch>
+          </p:blipFill>
+          <p:spPr>
+            <a:xfrm>
+              <a:off x="0" y="228600"/>
+              <a:ext cx="3454400" cy="2417725"/>
+            </a:xfrm>
+            <a:prstGeom prst="rect">
+              <a:avLst/>
+            </a:prstGeom>
+          </p:spPr>
+        </p:pic>
+        <p:pic>
+          <p:nvPicPr>
+            <p:cNvPr id="4" name="Picture 3"/>
+            <p:cNvPicPr>
+              <a:picLocks noChangeAspect="1"/>
+            </p:cNvPicPr>
+            <p:nvPr/>
+          </p:nvPicPr>
+          <p:blipFill>
+            <a:blip r:embed="rId3"/>
+            <a:stretch>
+              <a:fillRect/>
+            </a:stretch>
+          </p:blipFill>
+          <p:spPr>
+            <a:xfrm>
+              <a:off x="67732" y="2718783"/>
+              <a:ext cx="3454400" cy="2417725"/>
+            </a:xfrm>
+            <a:prstGeom prst="rect">
+              <a:avLst/>
+            </a:prstGeom>
+          </p:spPr>
+        </p:pic>
+        <p:pic>
+          <p:nvPicPr>
+            <p:cNvPr id="5" name="Picture 4"/>
+            <p:cNvPicPr>
+              <a:picLocks noChangeAspect="1"/>
+            </p:cNvPicPr>
+            <p:nvPr/>
+          </p:nvPicPr>
+          <p:blipFill>
+            <a:blip r:embed="rId4"/>
+            <a:stretch>
+              <a:fillRect/>
+            </a:stretch>
+          </p:blipFill>
+          <p:spPr>
+            <a:xfrm>
+              <a:off x="67732" y="5136508"/>
+              <a:ext cx="3522132" cy="2465130"/>
+            </a:xfrm>
+            <a:prstGeom prst="rect">
+              <a:avLst/>
+            </a:prstGeom>
+          </p:spPr>
+        </p:pic>
+      </p:grpSp>
+    </p:spTree>
+    <p:extLst>
+      <p:ext uri="{BB962C8B-B14F-4D97-AF65-F5344CB8AC3E}">
+        <p14:creationId xmlns:p14="http://schemas.microsoft.com/office/powerpoint/2010/main" val="3700439678"/>
+      </p:ext>
+    </p:extLst>
+  </p:cSld>
+  <p:clrMapOvr>
+    <a:masterClrMapping/>
+  </p:clrMapOvr>
+</p:sld>
+</file>
+
+<file path=ppt/slides/slide12.xml><?xml version="1.0" encoding="utf-8"?>
+<p:sld xmlns:a="http://schemas.openxmlformats.org/drawingml/2006/main" xmlns:r="http://schemas.openxmlformats.org/officeDocument/2006/relationships" xmlns:p="http://schemas.openxmlformats.org/presentationml/2006/main">
+  <p:cSld>
+    <p:spTree>
+      <p:nvGrpSpPr>
+        <p:cNvPr id="1" name=""/>
+        <p:cNvGrpSpPr/>
+        <p:nvPr/>
+      </p:nvGrpSpPr>
+      <p:grpSpPr>
+        <a:xfrm>
+          <a:off x="0" y="0"/>
+          <a:ext cx="0" cy="0"/>
+          <a:chOff x="0" y="0"/>
+          <a:chExt cx="0" cy="0"/>
+        </a:xfrm>
+      </p:grpSpPr>
+      <p:grpSp>
+        <p:nvGrpSpPr>
+          <p:cNvPr id="17" name="Group 16"/>
+          <p:cNvGrpSpPr/>
+          <p:nvPr/>
+        </p:nvGrpSpPr>
+        <p:grpSpPr>
+          <a:xfrm>
+            <a:off x="956055" y="228600"/>
+            <a:ext cx="8187945" cy="6399860"/>
+            <a:chOff x="956055" y="228600"/>
+            <a:chExt cx="8187945" cy="6399860"/>
+          </a:xfrm>
+        </p:grpSpPr>
+        <p:pic>
+          <p:nvPicPr>
+            <p:cNvPr id="2" name="Picture 1"/>
+            <p:cNvPicPr>
+              <a:picLocks noChangeAspect="1"/>
+            </p:cNvPicPr>
+            <p:nvPr/>
+          </p:nvPicPr>
+          <p:blipFill rotWithShape="1">
+            <a:blip r:embed="rId2"/>
+            <a:srcRect r="13889"/>
+            <a:stretch/>
+          </p:blipFill>
+          <p:spPr>
+            <a:xfrm>
+              <a:off x="1270000" y="228600"/>
+              <a:ext cx="7874000" cy="6399860"/>
+            </a:xfrm>
+            <a:prstGeom prst="rect">
+              <a:avLst/>
+            </a:prstGeom>
+          </p:spPr>
+        </p:pic>
+        <p:grpSp>
+          <p:nvGrpSpPr>
+            <p:cNvPr id="8" name="Group 7"/>
+            <p:cNvGrpSpPr/>
+            <p:nvPr/>
+          </p:nvGrpSpPr>
+          <p:grpSpPr>
+            <a:xfrm>
+              <a:off x="7759700" y="4646083"/>
+              <a:ext cx="1270000" cy="1303867"/>
+              <a:chOff x="6407150" y="2698750"/>
+              <a:chExt cx="1270000" cy="1303867"/>
+            </a:xfrm>
+          </p:grpSpPr>
+          <p:grpSp>
+            <p:nvGrpSpPr>
+              <p:cNvPr id="6" name="Group 5"/>
+              <p:cNvGrpSpPr/>
+              <p:nvPr/>
+            </p:nvGrpSpPr>
+            <p:grpSpPr>
+              <a:xfrm>
+                <a:off x="6407150" y="2698750"/>
+                <a:ext cx="1270000" cy="1303867"/>
+                <a:chOff x="6407150" y="2698750"/>
+                <a:chExt cx="1270000" cy="1303867"/>
+              </a:xfrm>
+            </p:grpSpPr>
+            <p:pic>
+              <p:nvPicPr>
+                <p:cNvPr id="3" name="Picture 2"/>
+                <p:cNvPicPr>
+                  <a:picLocks noChangeAspect="1"/>
+                </p:cNvPicPr>
+                <p:nvPr/>
+              </p:nvPicPr>
+              <p:blipFill rotWithShape="1">
+                <a:blip r:embed="rId2"/>
+                <a:srcRect l="86111" t="36911" b="42716"/>
+                <a:stretch/>
+              </p:blipFill>
+              <p:spPr>
+                <a:xfrm>
+                  <a:off x="6407150" y="2698750"/>
+                  <a:ext cx="1270000" cy="1303867"/>
+                </a:xfrm>
+                <a:prstGeom prst="rect">
+                  <a:avLst/>
+                </a:prstGeom>
+              </p:spPr>
+            </p:pic>
+            <p:pic>
+              <p:nvPicPr>
+                <p:cNvPr id="4" name="Picture 3"/>
+                <p:cNvPicPr>
+                  <a:picLocks noChangeAspect="1"/>
+                </p:cNvPicPr>
+                <p:nvPr/>
+              </p:nvPicPr>
+              <p:blipFill rotWithShape="1">
+                <a:blip r:embed="rId2"/>
+                <a:srcRect l="86111" t="50008" b="46519"/>
+                <a:stretch/>
+              </p:blipFill>
+              <p:spPr>
+                <a:xfrm>
+                  <a:off x="6407150" y="3321049"/>
+                  <a:ext cx="1270000" cy="222251"/>
+                </a:xfrm>
+                <a:prstGeom prst="rect">
+                  <a:avLst/>
+                </a:prstGeom>
+              </p:spPr>
+            </p:pic>
+            <p:pic>
+              <p:nvPicPr>
+                <p:cNvPr id="5" name="Picture 4"/>
+                <p:cNvPicPr>
+                  <a:picLocks noChangeAspect="1"/>
+                </p:cNvPicPr>
+                <p:nvPr/>
+              </p:nvPicPr>
+              <p:blipFill rotWithShape="1">
+                <a:blip r:embed="rId2"/>
+                <a:srcRect l="86111" t="46833" b="49794"/>
+                <a:stretch/>
+              </p:blipFill>
+              <p:spPr>
+                <a:xfrm>
+                  <a:off x="6407150" y="3545417"/>
+                  <a:ext cx="1270000" cy="215901"/>
+                </a:xfrm>
+                <a:prstGeom prst="rect">
+                  <a:avLst/>
+                </a:prstGeom>
+              </p:spPr>
+            </p:pic>
+          </p:grpSp>
+          <p:sp>
+            <p:nvSpPr>
+              <p:cNvPr id="7" name="TextBox 6"/>
+              <p:cNvSpPr txBox="1"/>
+              <p:nvPr/>
+            </p:nvSpPr>
+            <p:spPr>
+              <a:xfrm>
+                <a:off x="6927850" y="3073400"/>
+                <a:ext cx="82550" cy="105777"/>
+              </a:xfrm>
+              <a:prstGeom prst="rect">
+                <a:avLst/>
+              </a:prstGeom>
+              <a:solidFill>
+                <a:schemeClr val="bg1"/>
+              </a:solidFill>
+            </p:spPr>
+            <p:txBody>
+              <a:bodyPr wrap="square" rtlCol="0">
+                <a:spAutoFit/>
+              </a:bodyPr>
+              <a:lstStyle/>
+              <a:p>
+                <a:endParaRPr lang="en-US" sz="500" dirty="0"/>
+              </a:p>
+            </p:txBody>
+          </p:sp>
+        </p:grpSp>
+        <p:sp>
+          <p:nvSpPr>
+            <p:cNvPr id="9" name="TextBox 8"/>
+            <p:cNvSpPr txBox="1"/>
+            <p:nvPr/>
+          </p:nvSpPr>
+          <p:spPr>
+            <a:xfrm rot="16200000">
+              <a:off x="490465" y="1496662"/>
+              <a:ext cx="1177401" cy="246221"/>
+            </a:xfrm>
+            <a:prstGeom prst="rect">
+              <a:avLst/>
+            </a:prstGeom>
+            <a:noFill/>
+          </p:spPr>
+          <p:txBody>
+            <a:bodyPr wrap="none" rtlCol="0">
+              <a:spAutoFit/>
+            </a:bodyPr>
+            <a:lstStyle/>
+            <a:p>
+              <a:r>
+                <a:rPr lang="en-US" sz="1000" dirty="0" smtClean="0"/>
+                <a:t>Pattern (Cow level)</a:t>
+              </a:r>
+              <a:endParaRPr lang="en-US" sz="1000" dirty="0"/>
+            </a:p>
+          </p:txBody>
+        </p:sp>
+        <p:sp>
+          <p:nvSpPr>
+            <p:cNvPr id="10" name="TextBox 9"/>
+            <p:cNvSpPr txBox="1"/>
+            <p:nvPr/>
+          </p:nvSpPr>
+          <p:spPr>
+            <a:xfrm rot="16200000">
+              <a:off x="328851" y="3806522"/>
+              <a:ext cx="1500631" cy="246221"/>
+            </a:xfrm>
+            <a:prstGeom prst="rect">
+              <a:avLst/>
+            </a:prstGeom>
+            <a:noFill/>
+          </p:spPr>
+          <p:txBody>
+            <a:bodyPr wrap="none" rtlCol="0">
+              <a:spAutoFit/>
+            </a:bodyPr>
+            <a:lstStyle/>
+            <a:p>
+              <a:r>
+                <a:rPr lang="en-US" sz="1000" dirty="0" smtClean="0"/>
+                <a:t>Ever </a:t>
+              </a:r>
+              <a:r>
+                <a:rPr lang="en-US" sz="1000" dirty="0" err="1" smtClean="0"/>
+                <a:t>vs</a:t>
+              </a:r>
+              <a:r>
+                <a:rPr lang="en-US" sz="1000" dirty="0" smtClean="0"/>
+                <a:t> Never (Cow level)</a:t>
+              </a:r>
+              <a:endParaRPr lang="en-US" sz="1000" dirty="0"/>
+            </a:p>
+          </p:txBody>
+        </p:sp>
+        <p:sp>
+          <p:nvSpPr>
+            <p:cNvPr id="11" name="TextBox 10"/>
+            <p:cNvSpPr txBox="1"/>
+            <p:nvPr/>
+          </p:nvSpPr>
+          <p:spPr>
+            <a:xfrm rot="16200000">
+              <a:off x="336145" y="5282857"/>
+              <a:ext cx="1486041" cy="246221"/>
+            </a:xfrm>
+            <a:prstGeom prst="rect">
+              <a:avLst/>
+            </a:prstGeom>
+            <a:noFill/>
+          </p:spPr>
+          <p:txBody>
+            <a:bodyPr wrap="none" rtlCol="0">
+              <a:spAutoFit/>
+            </a:bodyPr>
+            <a:lstStyle/>
+            <a:p>
+              <a:r>
+                <a:rPr lang="en-US" sz="1000" dirty="0" err="1" smtClean="0"/>
+                <a:t>Pathotype</a:t>
+              </a:r>
+              <a:r>
+                <a:rPr lang="en-US" sz="1000" dirty="0" smtClean="0"/>
+                <a:t> (Sample level)</a:t>
+              </a:r>
+              <a:endParaRPr lang="en-US" sz="1000" dirty="0"/>
+            </a:p>
+          </p:txBody>
+        </p:sp>
+        <p:sp>
+          <p:nvSpPr>
+            <p:cNvPr id="13" name="Left Bracket 12"/>
+            <p:cNvSpPr/>
+            <p:nvPr/>
+          </p:nvSpPr>
+          <p:spPr>
+            <a:xfrm>
+              <a:off x="1388533" y="550333"/>
+              <a:ext cx="84667" cy="2472267"/>
+            </a:xfrm>
+            <a:prstGeom prst="leftBracket">
+              <a:avLst/>
+            </a:prstGeom>
+            <a:noFill/>
+            <a:ln>
+              <a:solidFill>
+                <a:schemeClr val="tx1"/>
+              </a:solidFill>
+            </a:ln>
+            <a:effectLst/>
+          </p:spPr>
+          <p:style>
+            <a:lnRef idx="2">
+              <a:schemeClr val="accent1"/>
+            </a:lnRef>
+            <a:fillRef idx="0">
+              <a:schemeClr val="accent1"/>
+            </a:fillRef>
+            <a:effectRef idx="1">
+              <a:schemeClr val="accent1"/>
+            </a:effectRef>
+            <a:fontRef idx="minor">
+              <a:schemeClr val="tx1"/>
+            </a:fontRef>
+          </p:style>
+          <p:txBody>
+            <a:bodyPr/>
+            <a:lstStyle/>
+            <a:p>
+              <a:endParaRPr lang="en-US">
+                <a:ln>
+                  <a:solidFill>
+                    <a:schemeClr val="tx1"/>
+                  </a:solidFill>
+                </a:ln>
+              </a:endParaRPr>
+            </a:p>
+          </p:txBody>
+        </p:sp>
+        <p:sp>
+          <p:nvSpPr>
+            <p:cNvPr id="15" name="Left Bracket 14"/>
+            <p:cNvSpPr/>
+            <p:nvPr/>
+          </p:nvSpPr>
+          <p:spPr>
+            <a:xfrm>
+              <a:off x="1396996" y="3505200"/>
+              <a:ext cx="84667" cy="1005416"/>
+            </a:xfrm>
+            <a:prstGeom prst="leftBracket">
+              <a:avLst/>
+            </a:prstGeom>
+            <a:noFill/>
+            <a:ln>
+              <a:solidFill>
+                <a:schemeClr val="tx1"/>
+              </a:solidFill>
+            </a:ln>
+            <a:effectLst/>
+          </p:spPr>
+          <p:style>
+            <a:lnRef idx="2">
+              <a:schemeClr val="accent1"/>
+            </a:lnRef>
+            <a:fillRef idx="0">
+              <a:schemeClr val="accent1"/>
+            </a:fillRef>
+            <a:effectRef idx="1">
+              <a:schemeClr val="accent1"/>
+            </a:effectRef>
+            <a:fontRef idx="minor">
+              <a:schemeClr val="tx1"/>
+            </a:fontRef>
+          </p:style>
+          <p:txBody>
+            <a:bodyPr/>
+            <a:lstStyle/>
+            <a:p>
+              <a:endParaRPr lang="en-US">
+                <a:ln>
+                  <a:solidFill>
+                    <a:schemeClr val="tx1"/>
+                  </a:solidFill>
+                </a:ln>
+              </a:endParaRPr>
+            </a:p>
+          </p:txBody>
+        </p:sp>
+        <p:sp>
+          <p:nvSpPr>
+            <p:cNvPr id="16" name="Left Bracket 15"/>
+            <p:cNvSpPr/>
+            <p:nvPr/>
+          </p:nvSpPr>
+          <p:spPr>
+            <a:xfrm>
+              <a:off x="1388533" y="4944534"/>
+              <a:ext cx="84667" cy="1005416"/>
+            </a:xfrm>
+            <a:prstGeom prst="leftBracket">
+              <a:avLst/>
+            </a:prstGeom>
+            <a:noFill/>
+            <a:ln>
+              <a:solidFill>
+                <a:schemeClr val="tx1"/>
+              </a:solidFill>
+            </a:ln>
+            <a:effectLst/>
+          </p:spPr>
+          <p:style>
+            <a:lnRef idx="2">
+              <a:schemeClr val="accent1"/>
+            </a:lnRef>
+            <a:fillRef idx="0">
+              <a:schemeClr val="accent1"/>
+            </a:fillRef>
+            <a:effectRef idx="1">
+              <a:schemeClr val="accent1"/>
+            </a:effectRef>
+            <a:fontRef idx="minor">
+              <a:schemeClr val="tx1"/>
+            </a:fontRef>
+          </p:style>
+          <p:txBody>
+            <a:bodyPr/>
+            <a:lstStyle/>
+            <a:p>
+              <a:endParaRPr lang="en-US">
+                <a:ln>
+                  <a:solidFill>
+                    <a:schemeClr val="tx1"/>
+                  </a:solidFill>
+                </a:ln>
+              </a:endParaRPr>
+            </a:p>
+          </p:txBody>
+        </p:sp>
+      </p:grpSp>
+    </p:spTree>
+    <p:extLst>
+      <p:ext uri="{BB962C8B-B14F-4D97-AF65-F5344CB8AC3E}">
+        <p14:creationId xmlns:p14="http://schemas.microsoft.com/office/powerpoint/2010/main" val="1881899516"/>
+      </p:ext>
+    </p:extLst>
+  </p:cSld>
+  <p:clrMapOvr>
+    <a:masterClrMapping/>
+  </p:clrMapOvr>
+</p:sld>
+</file>
+
+<file path=ppt/slides/slide13.xml><?xml version="1.0" encoding="utf-8"?>
+<p:sld xmlns:a="http://schemas.openxmlformats.org/drawingml/2006/main" xmlns:r="http://schemas.openxmlformats.org/officeDocument/2006/relationships" xmlns:p="http://schemas.openxmlformats.org/presentationml/2006/main">
+  <p:cSld>
+    <p:spTree>
+      <p:nvGrpSpPr>
+        <p:cNvPr id="1" name=""/>
+        <p:cNvGrpSpPr/>
+        <p:nvPr/>
+      </p:nvGrpSpPr>
+      <p:grpSpPr>
+        <a:xfrm>
+          <a:off x="0" y="0"/>
+          <a:ext cx="0" cy="0"/>
+          <a:chOff x="0" y="0"/>
+          <a:chExt cx="0" cy="0"/>
+        </a:xfrm>
+      </p:grpSpPr>
+      <p:grpSp>
+        <p:nvGrpSpPr>
+          <p:cNvPr id="30" name="Group 29"/>
+          <p:cNvGrpSpPr/>
+          <p:nvPr/>
+        </p:nvGrpSpPr>
+        <p:grpSpPr>
+          <a:xfrm>
+            <a:off x="445442" y="33866"/>
+            <a:ext cx="8647743" cy="6417734"/>
+            <a:chOff x="445442" y="33866"/>
+            <a:chExt cx="8647743" cy="6417734"/>
+          </a:xfrm>
+        </p:grpSpPr>
+        <p:grpSp>
+          <p:nvGrpSpPr>
+            <p:cNvPr id="28" name="Group 27"/>
+            <p:cNvGrpSpPr/>
+            <p:nvPr/>
+          </p:nvGrpSpPr>
+          <p:grpSpPr>
+            <a:xfrm>
+              <a:off x="782134" y="33866"/>
+              <a:ext cx="8311051" cy="6417734"/>
+              <a:chOff x="782134" y="33866"/>
+              <a:chExt cx="8311051" cy="6417734"/>
+            </a:xfrm>
+          </p:grpSpPr>
+          <p:grpSp>
+            <p:nvGrpSpPr>
+              <p:cNvPr id="26" name="Group 25"/>
+              <p:cNvGrpSpPr/>
+              <p:nvPr/>
+            </p:nvGrpSpPr>
+            <p:grpSpPr>
+              <a:xfrm>
+                <a:off x="782134" y="33866"/>
+                <a:ext cx="8311051" cy="6417734"/>
+                <a:chOff x="37082" y="33866"/>
+                <a:chExt cx="9002220" cy="6858000"/>
+              </a:xfrm>
+            </p:grpSpPr>
+            <p:pic>
+              <p:nvPicPr>
+                <p:cNvPr id="25" name="Picture 24"/>
+                <p:cNvPicPr>
+                  <a:picLocks noChangeAspect="1"/>
+                </p:cNvPicPr>
+                <p:nvPr/>
+              </p:nvPicPr>
+              <p:blipFill rotWithShape="1">
+                <a:blip r:embed="rId2"/>
+                <a:srcRect r="13802"/>
+                <a:stretch/>
+              </p:blipFill>
+              <p:spPr>
+                <a:xfrm>
+                  <a:off x="1478569" y="33866"/>
+                  <a:ext cx="7560733" cy="6858000"/>
+                </a:xfrm>
+                <a:prstGeom prst="rect">
+                  <a:avLst/>
+                </a:prstGeom>
+              </p:spPr>
+            </p:pic>
+            <p:pic>
+              <p:nvPicPr>
+                <p:cNvPr id="3" name="Picture 2"/>
+                <p:cNvPicPr>
+                  <a:picLocks noChangeAspect="1"/>
+                </p:cNvPicPr>
+                <p:nvPr/>
+              </p:nvPicPr>
+              <p:blipFill rotWithShape="1">
+                <a:blip r:embed="rId3"/>
+                <a:srcRect l="84653" t="40988" b="45679"/>
+                <a:stretch/>
+              </p:blipFill>
+              <p:spPr>
+                <a:xfrm>
+                  <a:off x="7540943" y="5429957"/>
+                  <a:ext cx="1346125" cy="914400"/>
+                </a:xfrm>
+                <a:prstGeom prst="rect">
+                  <a:avLst/>
+                </a:prstGeom>
+              </p:spPr>
+            </p:pic>
+            <p:grpSp>
+              <p:nvGrpSpPr>
+                <p:cNvPr id="14" name="Group 13"/>
+                <p:cNvGrpSpPr/>
+                <p:nvPr/>
+              </p:nvGrpSpPr>
+              <p:grpSpPr>
+                <a:xfrm>
+                  <a:off x="43453" y="205601"/>
+                  <a:ext cx="1838841" cy="2971800"/>
+                  <a:chOff x="43453" y="231001"/>
+                  <a:chExt cx="1838841" cy="2971800"/>
+                </a:xfrm>
+              </p:grpSpPr>
+              <p:sp>
+                <p:nvSpPr>
+                  <p:cNvPr id="5" name="TextBox 4"/>
+                  <p:cNvSpPr txBox="1"/>
+                  <p:nvPr/>
+                </p:nvSpPr>
+                <p:spPr>
+                  <a:xfrm>
+                    <a:off x="1320800" y="231001"/>
+                    <a:ext cx="558642" cy="276999"/>
+                  </a:xfrm>
+                  <a:prstGeom prst="rect">
+                    <a:avLst/>
+                  </a:prstGeom>
+                  <a:noFill/>
+                </p:spPr>
+                <p:txBody>
+                  <a:bodyPr wrap="none" rtlCol="0">
+                    <a:spAutoFit/>
+                  </a:bodyPr>
+                  <a:lstStyle/>
+                  <a:p>
+                    <a:r>
+                      <a:rPr lang="en-US" sz="1200" dirty="0" smtClean="0"/>
+                      <a:t>Crude</a:t>
+                    </a:r>
+                    <a:endParaRPr lang="en-US" sz="1200" dirty="0"/>
+                  </a:p>
+                </p:txBody>
+              </p:sp>
+              <p:sp>
+                <p:nvSpPr>
+                  <p:cNvPr id="7" name="TextBox 6"/>
+                  <p:cNvSpPr txBox="1"/>
+                  <p:nvPr/>
+                </p:nvSpPr>
+                <p:spPr>
+                  <a:xfrm>
+                    <a:off x="1320800" y="598100"/>
+                    <a:ext cx="556563" cy="276999"/>
+                  </a:xfrm>
+                  <a:prstGeom prst="rect">
+                    <a:avLst/>
+                  </a:prstGeom>
+                  <a:noFill/>
+                </p:spPr>
+                <p:txBody>
+                  <a:bodyPr wrap="none" rtlCol="0">
+                    <a:spAutoFit/>
+                  </a:bodyPr>
+                  <a:lstStyle/>
+                  <a:p>
+                    <a:r>
+                      <a:rPr lang="en-US" sz="1200" dirty="0" smtClean="0"/>
+                      <a:t>Parity</a:t>
+                    </a:r>
+                    <a:endParaRPr lang="en-US" sz="1200" dirty="0"/>
+                  </a:p>
+                </p:txBody>
+              </p:sp>
+              <p:sp>
+                <p:nvSpPr>
+                  <p:cNvPr id="8" name="TextBox 7"/>
+                  <p:cNvSpPr txBox="1"/>
+                  <p:nvPr/>
+                </p:nvSpPr>
+                <p:spPr>
+                  <a:xfrm>
+                    <a:off x="1030779" y="1002099"/>
+                    <a:ext cx="851515" cy="276999"/>
+                  </a:xfrm>
+                  <a:prstGeom prst="rect">
+                    <a:avLst/>
+                  </a:prstGeom>
+                  <a:noFill/>
+                </p:spPr>
+                <p:txBody>
+                  <a:bodyPr wrap="none" rtlCol="0">
+                    <a:spAutoFit/>
+                  </a:bodyPr>
+                  <a:lstStyle/>
+                  <a:p>
+                    <a:r>
+                      <a:rPr lang="en-US" sz="1200" dirty="0" smtClean="0"/>
+                      <a:t>Treatment</a:t>
+                    </a:r>
+                    <a:endParaRPr lang="en-US" sz="1200" dirty="0"/>
+                  </a:p>
+                </p:txBody>
+              </p:sp>
+              <p:sp>
+                <p:nvSpPr>
+                  <p:cNvPr id="9" name="TextBox 8"/>
+                  <p:cNvSpPr txBox="1"/>
+                  <p:nvPr/>
+                </p:nvSpPr>
+                <p:spPr>
+                  <a:xfrm>
+                    <a:off x="1358900" y="1377096"/>
+                    <a:ext cx="505667" cy="276999"/>
+                  </a:xfrm>
+                  <a:prstGeom prst="rect">
+                    <a:avLst/>
+                  </a:prstGeom>
+                  <a:solidFill>
+                    <a:schemeClr val="bg1"/>
+                  </a:solidFill>
+                </p:spPr>
+                <p:txBody>
+                  <a:bodyPr wrap="none" rtlCol="0">
+                    <a:spAutoFit/>
+                  </a:bodyPr>
+                  <a:lstStyle/>
+                  <a:p>
+                    <a:r>
+                      <a:rPr lang="en-US" sz="1200" dirty="0" smtClean="0"/>
+                      <a:t>Farm</a:t>
+                    </a:r>
+                    <a:endParaRPr lang="en-US" sz="1200" dirty="0"/>
+                  </a:p>
+                </p:txBody>
+              </p:sp>
+              <p:sp>
+                <p:nvSpPr>
+                  <p:cNvPr id="10" name="TextBox 9"/>
+                  <p:cNvSpPr txBox="1"/>
+                  <p:nvPr/>
+                </p:nvSpPr>
+                <p:spPr>
+                  <a:xfrm>
+                    <a:off x="498862" y="1710390"/>
+                    <a:ext cx="1364476" cy="276999"/>
+                  </a:xfrm>
+                  <a:prstGeom prst="rect">
+                    <a:avLst/>
+                  </a:prstGeom>
+                  <a:solidFill>
+                    <a:schemeClr val="bg1"/>
+                  </a:solidFill>
+                </p:spPr>
+                <p:txBody>
+                  <a:bodyPr wrap="none" rtlCol="0">
+                    <a:spAutoFit/>
+                  </a:bodyPr>
+                  <a:lstStyle/>
+                  <a:p>
+                    <a:r>
+                      <a:rPr lang="en-US" sz="1200" dirty="0" smtClean="0"/>
+                      <a:t>Treatment + Parity</a:t>
+                    </a:r>
+                    <a:endParaRPr lang="en-US" sz="1200" dirty="0"/>
+                  </a:p>
+                </p:txBody>
+              </p:sp>
+              <p:sp>
+                <p:nvSpPr>
+                  <p:cNvPr id="11" name="TextBox 10"/>
+                  <p:cNvSpPr txBox="1"/>
+                  <p:nvPr/>
+                </p:nvSpPr>
+                <p:spPr>
+                  <a:xfrm>
+                    <a:off x="517818" y="2139789"/>
+                    <a:ext cx="1314257" cy="276999"/>
+                  </a:xfrm>
+                  <a:prstGeom prst="rect">
+                    <a:avLst/>
+                  </a:prstGeom>
+                  <a:solidFill>
+                    <a:schemeClr val="bg1"/>
+                  </a:solidFill>
+                </p:spPr>
+                <p:txBody>
+                  <a:bodyPr wrap="none" rtlCol="0">
+                    <a:spAutoFit/>
+                  </a:bodyPr>
+                  <a:lstStyle/>
+                  <a:p>
+                    <a:r>
+                      <a:rPr lang="en-US" sz="1200" dirty="0" smtClean="0"/>
+                      <a:t>Treatment + Farm</a:t>
+                    </a:r>
+                    <a:endParaRPr lang="en-US" sz="1200" dirty="0"/>
+                  </a:p>
+                </p:txBody>
+              </p:sp>
+              <p:sp>
+                <p:nvSpPr>
+                  <p:cNvPr id="12" name="TextBox 11"/>
+                  <p:cNvSpPr txBox="1"/>
+                  <p:nvPr/>
+                </p:nvSpPr>
+                <p:spPr>
+                  <a:xfrm>
+                    <a:off x="804103" y="2556488"/>
+                    <a:ext cx="1015272" cy="276999"/>
+                  </a:xfrm>
+                  <a:prstGeom prst="rect">
+                    <a:avLst/>
+                  </a:prstGeom>
+                  <a:solidFill>
+                    <a:schemeClr val="bg1"/>
+                  </a:solidFill>
+                </p:spPr>
+                <p:txBody>
+                  <a:bodyPr wrap="none" rtlCol="0">
+                    <a:spAutoFit/>
+                  </a:bodyPr>
+                  <a:lstStyle/>
+                  <a:p>
+                    <a:r>
+                      <a:rPr lang="en-US" sz="1200" dirty="0" smtClean="0"/>
+                      <a:t>Parity + Farm</a:t>
+                    </a:r>
+                    <a:endParaRPr lang="en-US" sz="1200" dirty="0"/>
+                  </a:p>
+                </p:txBody>
+              </p:sp>
+              <p:sp>
+                <p:nvSpPr>
+                  <p:cNvPr id="13" name="TextBox 12"/>
+                  <p:cNvSpPr txBox="1"/>
+                  <p:nvPr/>
+                </p:nvSpPr>
+                <p:spPr>
+                  <a:xfrm>
+                    <a:off x="43453" y="2925802"/>
+                    <a:ext cx="1826141" cy="276999"/>
+                  </a:xfrm>
+                  <a:prstGeom prst="rect">
+                    <a:avLst/>
+                  </a:prstGeom>
+                  <a:solidFill>
+                    <a:schemeClr val="bg1"/>
+                  </a:solidFill>
+                </p:spPr>
+                <p:txBody>
+                  <a:bodyPr wrap="none" rtlCol="0">
+                    <a:spAutoFit/>
+                  </a:bodyPr>
+                  <a:lstStyle/>
+                  <a:p>
+                    <a:r>
+                      <a:rPr lang="en-US" sz="1200" dirty="0" smtClean="0"/>
+                      <a:t>Parity + Farm + Treatment</a:t>
+                    </a:r>
+                    <a:endParaRPr lang="en-US" sz="1200" dirty="0"/>
+                  </a:p>
+                </p:txBody>
+              </p:sp>
+            </p:grpSp>
+            <p:grpSp>
+              <p:nvGrpSpPr>
+                <p:cNvPr id="15" name="Group 14"/>
+                <p:cNvGrpSpPr/>
+                <p:nvPr/>
+              </p:nvGrpSpPr>
+              <p:grpSpPr>
+                <a:xfrm>
+                  <a:off x="37082" y="3256002"/>
+                  <a:ext cx="1838841" cy="2971800"/>
+                  <a:chOff x="43453" y="231001"/>
+                  <a:chExt cx="1838841" cy="2971800"/>
+                </a:xfrm>
+              </p:grpSpPr>
+              <p:sp>
+                <p:nvSpPr>
+                  <p:cNvPr id="16" name="TextBox 15"/>
+                  <p:cNvSpPr txBox="1"/>
+                  <p:nvPr/>
+                </p:nvSpPr>
+                <p:spPr>
+                  <a:xfrm>
+                    <a:off x="1320800" y="231001"/>
+                    <a:ext cx="558642" cy="276999"/>
+                  </a:xfrm>
+                  <a:prstGeom prst="rect">
+                    <a:avLst/>
+                  </a:prstGeom>
+                  <a:noFill/>
+                </p:spPr>
+                <p:txBody>
+                  <a:bodyPr wrap="none" rtlCol="0">
+                    <a:spAutoFit/>
+                  </a:bodyPr>
+                  <a:lstStyle/>
+                  <a:p>
+                    <a:r>
+                      <a:rPr lang="en-US" sz="1200" dirty="0" smtClean="0"/>
+                      <a:t>Crude</a:t>
+                    </a:r>
+                    <a:endParaRPr lang="en-US" sz="1200" dirty="0"/>
+                  </a:p>
+                </p:txBody>
+              </p:sp>
+              <p:sp>
+                <p:nvSpPr>
+                  <p:cNvPr id="17" name="TextBox 16"/>
+                  <p:cNvSpPr txBox="1"/>
+                  <p:nvPr/>
+                </p:nvSpPr>
+                <p:spPr>
+                  <a:xfrm>
+                    <a:off x="1320800" y="598100"/>
+                    <a:ext cx="556563" cy="276999"/>
+                  </a:xfrm>
+                  <a:prstGeom prst="rect">
+                    <a:avLst/>
+                  </a:prstGeom>
+                  <a:noFill/>
+                </p:spPr>
+                <p:txBody>
+                  <a:bodyPr wrap="none" rtlCol="0">
+                    <a:spAutoFit/>
+                  </a:bodyPr>
+                  <a:lstStyle/>
+                  <a:p>
+                    <a:r>
+                      <a:rPr lang="en-US" sz="1200" dirty="0" smtClean="0"/>
+                      <a:t>Parity</a:t>
+                    </a:r>
+                    <a:endParaRPr lang="en-US" sz="1200" dirty="0"/>
+                  </a:p>
+                </p:txBody>
+              </p:sp>
+              <p:sp>
+                <p:nvSpPr>
+                  <p:cNvPr id="18" name="TextBox 17"/>
+                  <p:cNvSpPr txBox="1"/>
+                  <p:nvPr/>
+                </p:nvSpPr>
+                <p:spPr>
+                  <a:xfrm>
+                    <a:off x="1030779" y="1002099"/>
+                    <a:ext cx="851515" cy="276999"/>
+                  </a:xfrm>
+                  <a:prstGeom prst="rect">
+                    <a:avLst/>
+                  </a:prstGeom>
+                  <a:noFill/>
+                </p:spPr>
+                <p:txBody>
+                  <a:bodyPr wrap="none" rtlCol="0">
+                    <a:spAutoFit/>
+                  </a:bodyPr>
+                  <a:lstStyle/>
+                  <a:p>
+                    <a:r>
+                      <a:rPr lang="en-US" sz="1200" dirty="0" smtClean="0"/>
+                      <a:t>Treatment</a:t>
+                    </a:r>
+                    <a:endParaRPr lang="en-US" sz="1200" dirty="0"/>
+                  </a:p>
+                </p:txBody>
+              </p:sp>
+              <p:sp>
+                <p:nvSpPr>
+                  <p:cNvPr id="19" name="TextBox 18"/>
+                  <p:cNvSpPr txBox="1"/>
+                  <p:nvPr/>
+                </p:nvSpPr>
+                <p:spPr>
+                  <a:xfrm>
+                    <a:off x="1358900" y="1377096"/>
+                    <a:ext cx="505667" cy="276999"/>
+                  </a:xfrm>
+                  <a:prstGeom prst="rect">
+                    <a:avLst/>
+                  </a:prstGeom>
+                  <a:solidFill>
+                    <a:schemeClr val="bg1"/>
+                  </a:solidFill>
+                </p:spPr>
+                <p:txBody>
+                  <a:bodyPr wrap="none" rtlCol="0">
+                    <a:spAutoFit/>
+                  </a:bodyPr>
+                  <a:lstStyle/>
+                  <a:p>
+                    <a:r>
+                      <a:rPr lang="en-US" sz="1200" dirty="0" smtClean="0"/>
+                      <a:t>Farm</a:t>
+                    </a:r>
+                    <a:endParaRPr lang="en-US" sz="1200" dirty="0"/>
+                  </a:p>
+                </p:txBody>
+              </p:sp>
+              <p:sp>
+                <p:nvSpPr>
+                  <p:cNvPr id="20" name="TextBox 19"/>
+                  <p:cNvSpPr txBox="1"/>
+                  <p:nvPr/>
+                </p:nvSpPr>
+                <p:spPr>
+                  <a:xfrm>
+                    <a:off x="498862" y="1710390"/>
+                    <a:ext cx="1364476" cy="276999"/>
+                  </a:xfrm>
+                  <a:prstGeom prst="rect">
+                    <a:avLst/>
+                  </a:prstGeom>
+                  <a:solidFill>
+                    <a:schemeClr val="bg1"/>
+                  </a:solidFill>
+                </p:spPr>
+                <p:txBody>
+                  <a:bodyPr wrap="none" rtlCol="0">
+                    <a:spAutoFit/>
+                  </a:bodyPr>
+                  <a:lstStyle/>
+                  <a:p>
+                    <a:r>
+                      <a:rPr lang="en-US" sz="1200" dirty="0" smtClean="0"/>
+                      <a:t>Treatment + Parity</a:t>
+                    </a:r>
+                    <a:endParaRPr lang="en-US" sz="1200" dirty="0"/>
+                  </a:p>
+                </p:txBody>
+              </p:sp>
+              <p:sp>
+                <p:nvSpPr>
+                  <p:cNvPr id="21" name="TextBox 20"/>
+                  <p:cNvSpPr txBox="1"/>
+                  <p:nvPr/>
+                </p:nvSpPr>
+                <p:spPr>
+                  <a:xfrm>
+                    <a:off x="517818" y="2139789"/>
+                    <a:ext cx="1314257" cy="276999"/>
+                  </a:xfrm>
+                  <a:prstGeom prst="rect">
+                    <a:avLst/>
+                  </a:prstGeom>
+                  <a:solidFill>
+                    <a:schemeClr val="bg1"/>
+                  </a:solidFill>
+                </p:spPr>
+                <p:txBody>
+                  <a:bodyPr wrap="none" rtlCol="0">
+                    <a:spAutoFit/>
+                  </a:bodyPr>
+                  <a:lstStyle/>
+                  <a:p>
+                    <a:r>
+                      <a:rPr lang="en-US" sz="1200" dirty="0" smtClean="0"/>
+                      <a:t>Treatment + Farm</a:t>
+                    </a:r>
+                    <a:endParaRPr lang="en-US" sz="1200" dirty="0"/>
+                  </a:p>
+                </p:txBody>
+              </p:sp>
+              <p:sp>
+                <p:nvSpPr>
+                  <p:cNvPr id="22" name="TextBox 21"/>
+                  <p:cNvSpPr txBox="1"/>
+                  <p:nvPr/>
+                </p:nvSpPr>
+                <p:spPr>
+                  <a:xfrm>
+                    <a:off x="804103" y="2556488"/>
+                    <a:ext cx="1015272" cy="276999"/>
+                  </a:xfrm>
+                  <a:prstGeom prst="rect">
+                    <a:avLst/>
+                  </a:prstGeom>
+                  <a:solidFill>
+                    <a:schemeClr val="bg1"/>
+                  </a:solidFill>
+                </p:spPr>
+                <p:txBody>
+                  <a:bodyPr wrap="none" rtlCol="0">
+                    <a:spAutoFit/>
+                  </a:bodyPr>
+                  <a:lstStyle/>
+                  <a:p>
+                    <a:r>
+                      <a:rPr lang="en-US" sz="1200" dirty="0" smtClean="0"/>
+                      <a:t>Parity + Farm</a:t>
+                    </a:r>
+                    <a:endParaRPr lang="en-US" sz="1200" dirty="0"/>
+                  </a:p>
+                </p:txBody>
+              </p:sp>
+              <p:sp>
+                <p:nvSpPr>
+                  <p:cNvPr id="23" name="TextBox 22"/>
+                  <p:cNvSpPr txBox="1"/>
+                  <p:nvPr/>
+                </p:nvSpPr>
+                <p:spPr>
+                  <a:xfrm>
+                    <a:off x="43453" y="2925802"/>
+                    <a:ext cx="1826141" cy="276999"/>
+                  </a:xfrm>
+                  <a:prstGeom prst="rect">
+                    <a:avLst/>
+                  </a:prstGeom>
+                  <a:solidFill>
+                    <a:schemeClr val="bg1"/>
+                  </a:solidFill>
+                </p:spPr>
+                <p:txBody>
+                  <a:bodyPr wrap="none" rtlCol="0">
+                    <a:spAutoFit/>
+                  </a:bodyPr>
+                  <a:lstStyle/>
+                  <a:p>
+                    <a:r>
+                      <a:rPr lang="en-US" sz="1200" dirty="0" smtClean="0"/>
+                      <a:t>Parity + Farm + Treatment</a:t>
+                    </a:r>
+                    <a:endParaRPr lang="en-US" sz="1200" dirty="0"/>
+                  </a:p>
+                </p:txBody>
+              </p:sp>
+            </p:grpSp>
+          </p:grpSp>
+          <p:sp>
+            <p:nvSpPr>
+              <p:cNvPr id="27" name="TextBox 26"/>
+              <p:cNvSpPr txBox="1"/>
+              <p:nvPr/>
+            </p:nvSpPr>
+            <p:spPr>
+              <a:xfrm>
+                <a:off x="7972744" y="5105844"/>
+                <a:ext cx="646556" cy="276999"/>
+              </a:xfrm>
+              <a:prstGeom prst="rect">
+                <a:avLst/>
+              </a:prstGeom>
+              <a:solidFill>
+                <a:srgbClr val="FFFFFF"/>
+              </a:solidFill>
+            </p:spPr>
+            <p:txBody>
+              <a:bodyPr wrap="none" rtlCol="0">
+                <a:spAutoFit/>
+              </a:bodyPr>
+              <a:lstStyle/>
+              <a:p>
+                <a:r>
+                  <a:rPr lang="en-US" sz="1200" dirty="0" smtClean="0"/>
+                  <a:t>Pattern </a:t>
+                </a:r>
+                <a:endParaRPr lang="en-US" sz="1200" dirty="0"/>
+              </a:p>
+            </p:txBody>
+          </p:sp>
+        </p:grpSp>
+        <p:sp>
+          <p:nvSpPr>
+            <p:cNvPr id="29" name="TextBox 28"/>
+            <p:cNvSpPr txBox="1"/>
+            <p:nvPr/>
+          </p:nvSpPr>
+          <p:spPr>
+            <a:xfrm rot="16200000">
+              <a:off x="-2258193" y="2866273"/>
+              <a:ext cx="5776602" cy="369332"/>
+            </a:xfrm>
+            <a:prstGeom prst="rect">
+              <a:avLst/>
+            </a:prstGeom>
+            <a:noFill/>
+          </p:spPr>
+          <p:txBody>
+            <a:bodyPr wrap="square" rtlCol="0">
+              <a:spAutoFit/>
+            </a:bodyPr>
+            <a:lstStyle/>
+            <a:p>
+              <a:pPr algn="ctr"/>
+              <a:r>
+                <a:rPr lang="en-US" dirty="0" smtClean="0"/>
+                <a:t>Adjustment  Variables in Richness Models</a:t>
+              </a:r>
+            </a:p>
+          </p:txBody>
+        </p:sp>
+      </p:grpSp>
+    </p:spTree>
+    <p:extLst>
+      <p:ext uri="{BB962C8B-B14F-4D97-AF65-F5344CB8AC3E}">
+        <p14:creationId xmlns:p14="http://schemas.microsoft.com/office/powerpoint/2010/main" val="4059404131"/>
       </p:ext>
     </p:extLst>
   </p:cSld>
